--- a/publications/presentations/ESCoP2017/LinsESCoP.pptx
+++ b/publications/presentations/ESCoP2017/LinsESCoP.pptx
@@ -133,6 +133,22 @@
       </a:defRPr>
     </a:lvl9pPr>
   </p:defaultTextStyle>
+  <p:extLst>
+    <p:ext uri="{EFAFB233-063F-42B5-8137-9DF3F51BA10A}">
+      <p15:sldGuideLst xmlns:p15="http://schemas.microsoft.com/office/powerpoint/2012/main">
+        <p15:guide id="1" orient="horz" pos="2160">
+          <p15:clr>
+            <a:srgbClr val="A4A3A4"/>
+          </p15:clr>
+        </p15:guide>
+        <p15:guide id="2" pos="2880">
+          <p15:clr>
+            <a:srgbClr val="A4A3A4"/>
+          </p15:clr>
+        </p15:guide>
+      </p15:sldGuideLst>
+    </p:ext>
+  </p:extLst>
 </p:presentation>
 </file>
 
@@ -218,7 +234,7 @@
           <a:p>
             <a:fld id="{40D222CE-D4EE-48A4-9BA7-7AE7FBE795BF}" type="datetimeFigureOut">
               <a:rPr lang="de-CH" smtClean="0"/>
-              <a:t>04.09.2017</a:t>
+              <a:t>05.04.2019</a:t>
             </a:fld>
             <a:endParaRPr lang="de-CH"/>
           </a:p>
@@ -689,7 +705,7 @@
           <a:p>
             <a:fld id="{990EBBCE-5C80-44EE-88C5-9061D1436CD3}" type="datetimeFigureOut">
               <a:rPr lang="de-CH" smtClean="0"/>
-              <a:t>04.09.2017</a:t>
+              <a:t>05.04.2019</a:t>
             </a:fld>
             <a:endParaRPr lang="de-CH"/>
           </a:p>
@@ -1091,7 +1107,7 @@
           <a:p>
             <a:fld id="{990EBBCE-5C80-44EE-88C5-9061D1436CD3}" type="datetimeFigureOut">
               <a:rPr lang="de-CH" smtClean="0"/>
-              <a:t>04.09.2017</a:t>
+              <a:t>05.04.2019</a:t>
             </a:fld>
             <a:endParaRPr lang="de-CH"/>
           </a:p>
@@ -1273,7 +1289,7 @@
           <a:p>
             <a:fld id="{990EBBCE-5C80-44EE-88C5-9061D1436CD3}" type="datetimeFigureOut">
               <a:rPr lang="de-CH" smtClean="0"/>
-              <a:t>04.09.2017</a:t>
+              <a:t>05.04.2019</a:t>
             </a:fld>
             <a:endParaRPr lang="de-CH"/>
           </a:p>
@@ -1512,7 +1528,7 @@
           <a:p>
             <a:fld id="{990EBBCE-5C80-44EE-88C5-9061D1436CD3}" type="datetimeFigureOut">
               <a:rPr lang="de-CH" smtClean="0"/>
-              <a:t>04.09.2017</a:t>
+              <a:t>05.04.2019</a:t>
             </a:fld>
             <a:endParaRPr lang="de-CH"/>
           </a:p>
@@ -1722,7 +1738,7 @@
           <a:p>
             <a:fld id="{990EBBCE-5C80-44EE-88C5-9061D1436CD3}" type="datetimeFigureOut">
               <a:rPr lang="de-CH" smtClean="0"/>
-              <a:t>04.09.2017</a:t>
+              <a:t>05.04.2019</a:t>
             </a:fld>
             <a:endParaRPr lang="de-CH"/>
           </a:p>
@@ -2175,7 +2191,7 @@
           <a:p>
             <a:fld id="{990EBBCE-5C80-44EE-88C5-9061D1436CD3}" type="datetimeFigureOut">
               <a:rPr lang="de-CH" smtClean="0"/>
-              <a:t>04.09.2017</a:t>
+              <a:t>05.04.2019</a:t>
             </a:fld>
             <a:endParaRPr lang="de-CH"/>
           </a:p>
@@ -2416,7 +2432,7 @@
           <a:p>
             <a:fld id="{990EBBCE-5C80-44EE-88C5-9061D1436CD3}" type="datetimeFigureOut">
               <a:rPr lang="de-CH" smtClean="0"/>
-              <a:t>04.09.2017</a:t>
+              <a:t>05.04.2019</a:t>
             </a:fld>
             <a:endParaRPr lang="de-CH"/>
           </a:p>
@@ -3655,11 +3671,7 @@
           <a:p>
             <a:r>
               <a:rPr lang="en-US" dirty="0" smtClean="0"/>
-              <a:t>Bayes </a:t>
-            </a:r>
-            <a:r>
-              <a:rPr lang="en-US" dirty="0" smtClean="0"/>
-              <a:t>Inference (</a:t>
+              <a:t>Bayes Inference (</a:t>
             </a:r>
             <a:r>
               <a:rPr lang="en-US" dirty="0" err="1" smtClean="0"/>
@@ -3673,8 +3685,8 @@
           </a:p>
         </p:txBody>
       </p:sp>
-      <mc:AlternateContent xmlns:mc="http://schemas.openxmlformats.org/markup-compatibility/2006">
-        <mc:Choice xmlns:a14="http://schemas.microsoft.com/office/drawing/2010/main" Requires="a14">
+      <mc:AlternateContent xmlns:mc="http://schemas.openxmlformats.org/markup-compatibility/2006" xmlns:a14="http://schemas.microsoft.com/office/drawing/2010/main">
+        <mc:Choice Requires="a14">
           <p:sp>
             <p:nvSpPr>
               <p:cNvPr id="8" name="Content Placeholder 7"/>
@@ -3847,7 +3859,7 @@
             </p:txBody>
           </p:sp>
         </mc:Choice>
-        <mc:Fallback>
+        <mc:Fallback xmlns="">
           <p:sp>
             <p:nvSpPr>
               <p:cNvPr id="8" name="Content Placeholder 7"/>
@@ -3885,8 +3897,8 @@
           </p:sp>
         </mc:Fallback>
       </mc:AlternateContent>
-      <mc:AlternateContent xmlns:mc="http://schemas.openxmlformats.org/markup-compatibility/2006">
-        <mc:Choice xmlns:a14="http://schemas.microsoft.com/office/drawing/2010/main" Requires="a14">
+      <mc:AlternateContent xmlns:mc="http://schemas.openxmlformats.org/markup-compatibility/2006" xmlns:a14="http://schemas.microsoft.com/office/drawing/2010/main">
+        <mc:Choice Requires="a14">
           <p:sp>
             <p:nvSpPr>
               <p:cNvPr id="2" name="TextBox 1"/>
@@ -3909,6 +3921,7 @@
               </a:bodyPr>
               <a:lstStyle/>
               <a:p>
+                <a:pPr/>
                 <a14:m>
                   <m:oMathPara xmlns:m="http://schemas.openxmlformats.org/officeDocument/2006/math">
                     <m:oMathParaPr>
@@ -3931,7 +3944,7 @@
                         <m:funcPr>
                           <m:ctrlPr>
                             <a:rPr lang="en-US" b="0" i="1" smtClean="0">
-                              <a:latin typeface="Cambria Math"/>
+                              <a:latin typeface="Cambria Math" panose="02040503050406030204" pitchFamily="18" charset="0"/>
                             </a:rPr>
                           </m:ctrlPr>
                         </m:funcPr>
@@ -3953,7 +3966,7 @@
                               <m:endChr m:val="]"/>
                               <m:ctrlPr>
                                 <a:rPr lang="en-US" b="0" i="1" smtClean="0">
-                                  <a:latin typeface="Cambria Math"/>
+                                  <a:latin typeface="Cambria Math" panose="02040503050406030204" pitchFamily="18" charset="0"/>
                                 </a:rPr>
                               </m:ctrlPr>
                             </m:dPr>
@@ -3962,7 +3975,7 @@
                                 <m:fPr>
                                   <m:ctrlPr>
                                     <a:rPr lang="en-US" b="0" i="1" smtClean="0">
-                                      <a:latin typeface="Cambria Math"/>
+                                      <a:latin typeface="Cambria Math" panose="02040503050406030204" pitchFamily="18" charset="0"/>
                                     </a:rPr>
                                   </m:ctrlPr>
                                 </m:fPr>
@@ -3977,7 +3990,7 @@
                                     <m:dPr>
                                       <m:ctrlPr>
                                         <a:rPr lang="en-US" b="0" i="1" smtClean="0">
-                                          <a:latin typeface="Cambria Math"/>
+                                          <a:latin typeface="Cambria Math" panose="02040503050406030204" pitchFamily="18" charset="0"/>
                                         </a:rPr>
                                       </m:ctrlPr>
                                     </m:dPr>
@@ -4033,7 +4046,7 @@
                                     <m:dPr>
                                       <m:ctrlPr>
                                         <a:rPr lang="en-US" b="0" i="1" smtClean="0">
-                                          <a:latin typeface="Cambria Math"/>
+                                          <a:latin typeface="Cambria Math" panose="02040503050406030204" pitchFamily="18" charset="0"/>
                                         </a:rPr>
                                       </m:ctrlPr>
                                     </m:dPr>
@@ -4107,7 +4120,7 @@
                         <m:funcPr>
                           <m:ctrlPr>
                             <a:rPr lang="en-US" b="0" i="1" smtClean="0">
-                              <a:latin typeface="Cambria Math"/>
+                              <a:latin typeface="Cambria Math" panose="02040503050406030204" pitchFamily="18" charset="0"/>
                             </a:rPr>
                           </m:ctrlPr>
                         </m:funcPr>
@@ -4129,7 +4142,7 @@
                               <m:endChr m:val="]"/>
                               <m:ctrlPr>
                                 <a:rPr lang="en-US" i="1">
-                                  <a:latin typeface="Cambria Math"/>
+                                  <a:latin typeface="Cambria Math" panose="02040503050406030204" pitchFamily="18" charset="0"/>
                                 </a:rPr>
                               </m:ctrlPr>
                             </m:dPr>
@@ -4138,7 +4151,7 @@
                                 <m:fPr>
                                   <m:ctrlPr>
                                     <a:rPr lang="en-US" i="1">
-                                      <a:latin typeface="Cambria Math"/>
+                                      <a:latin typeface="Cambria Math" panose="02040503050406030204" pitchFamily="18" charset="0"/>
                                     </a:rPr>
                                   </m:ctrlPr>
                                 </m:fPr>
@@ -4153,7 +4166,7 @@
                                     <m:dPr>
                                       <m:ctrlPr>
                                         <a:rPr lang="en-US" i="1">
-                                          <a:latin typeface="Cambria Math"/>
+                                          <a:latin typeface="Cambria Math" panose="02040503050406030204" pitchFamily="18" charset="0"/>
                                         </a:rPr>
                                       </m:ctrlPr>
                                     </m:dPr>
@@ -4216,7 +4229,7 @@
                                     <m:dPr>
                                       <m:ctrlPr>
                                         <a:rPr lang="en-US" i="1">
-                                          <a:latin typeface="Cambria Math"/>
+                                          <a:latin typeface="Cambria Math" panose="02040503050406030204" pitchFamily="18" charset="0"/>
                                         </a:rPr>
                                       </m:ctrlPr>
                                     </m:dPr>
@@ -4293,7 +4306,7 @@
             </p:txBody>
           </p:sp>
         </mc:Choice>
-        <mc:Fallback>
+        <mc:Fallback xmlns="">
           <p:sp>
             <p:nvSpPr>
               <p:cNvPr id="2" name="TextBox 1"/>
@@ -5436,8 +5449,8 @@
           </a:p>
         </p:txBody>
       </p:sp>
-      <mc:AlternateContent xmlns:mc="http://schemas.openxmlformats.org/markup-compatibility/2006">
-        <mc:Choice xmlns:a14="http://schemas.microsoft.com/office/drawing/2010/main" Requires="a14">
+      <mc:AlternateContent xmlns:mc="http://schemas.openxmlformats.org/markup-compatibility/2006" xmlns:a14="http://schemas.microsoft.com/office/drawing/2010/main">
+        <mc:Choice Requires="a14">
           <p:sp>
             <p:nvSpPr>
               <p:cNvPr id="3" name="Content Placeholder 2"/>
@@ -5477,7 +5490,7 @@
                       <m:sSubPr>
                         <m:ctrlPr>
                           <a:rPr lang="en-US" b="0" i="1" smtClean="0">
-                            <a:latin typeface="Cambria Math"/>
+                            <a:latin typeface="Cambria Math" panose="02040503050406030204" pitchFamily="18" charset="0"/>
                           </a:rPr>
                         </m:ctrlPr>
                       </m:sSubPr>
@@ -5520,7 +5533,7 @@
                       <m:sSubPr>
                         <m:ctrlPr>
                           <a:rPr lang="en-US" i="1">
-                            <a:latin typeface="Cambria Math"/>
+                            <a:latin typeface="Cambria Math" panose="02040503050406030204" pitchFamily="18" charset="0"/>
                           </a:rPr>
                         </m:ctrlPr>
                       </m:sSubPr>
@@ -5570,7 +5583,7 @@
             </p:txBody>
           </p:sp>
         </mc:Choice>
-        <mc:Fallback>
+        <mc:Fallback xmlns="">
           <p:sp>
             <p:nvSpPr>
               <p:cNvPr id="3" name="Content Placeholder 2"/>
@@ -5736,7 +5749,7 @@
         <p:spPr>
           <a:xfrm>
             <a:off x="1259632" y="6372036"/>
-            <a:ext cx="992579" cy="369332"/>
+            <a:ext cx="748923" cy="369332"/>
           </a:xfrm>
           <a:prstGeom prst="rect">
             <a:avLst/>
@@ -5750,8 +5763,8 @@
           <a:lstStyle/>
           <a:p>
             <a:r>
-              <a:rPr lang="en-US" dirty="0" smtClean="0"/>
-              <a:t>Positive</a:t>
+              <a:rPr lang="en-US" smtClean="0"/>
+              <a:t>same</a:t>
             </a:r>
             <a:endParaRPr lang="de-CH" dirty="0"/>
           </a:p>
@@ -5766,7 +5779,7 @@
         <p:spPr>
           <a:xfrm>
             <a:off x="4067944" y="6362744"/>
-            <a:ext cx="1069524" cy="369332"/>
+            <a:ext cx="1056700" cy="369332"/>
           </a:xfrm>
           <a:prstGeom prst="rect">
             <a:avLst/>
@@ -5780,8 +5793,12 @@
           <a:lstStyle/>
           <a:p>
             <a:r>
+              <a:rPr lang="en-US" dirty="0"/>
+              <a:t>i</a:t>
+            </a:r>
+            <a:r>
               <a:rPr lang="en-US" dirty="0" smtClean="0"/>
-              <a:t>Intrusion</a:t>
+              <a:t>ntrusion</a:t>
             </a:r>
             <a:endParaRPr lang="de-CH" dirty="0"/>
           </a:p>
@@ -5796,7 +5813,7 @@
         <p:spPr>
           <a:xfrm>
             <a:off x="7382053" y="6362744"/>
-            <a:ext cx="646331" cy="369332"/>
+            <a:ext cx="607859" cy="369332"/>
           </a:xfrm>
           <a:prstGeom prst="rect">
             <a:avLst/>
@@ -5810,8 +5827,12 @@
           <a:lstStyle/>
           <a:p>
             <a:r>
+              <a:rPr lang="en-US" dirty="0"/>
+              <a:t>n</a:t>
+            </a:r>
+            <a:r>
               <a:rPr lang="en-US" dirty="0" smtClean="0"/>
-              <a:t>New</a:t>
+              <a:t>ew</a:t>
             </a:r>
             <a:endParaRPr lang="de-CH" dirty="0"/>
           </a:p>
@@ -7007,11 +7028,7 @@
             </a:pPr>
             <a:r>
               <a:rPr lang="en-US" dirty="0" smtClean="0"/>
-              <a:t>However, there might be a set siz</a:t>
-            </a:r>
-            <a:r>
-              <a:rPr lang="en-US" dirty="0" smtClean="0"/>
-              <a:t>e effect.</a:t>
+              <a:t>However, there might be a set size effect.</a:t>
             </a:r>
           </a:p>
           <a:p>
@@ -7589,7 +7606,7 @@
                       <m:dPr>
                         <m:ctrlPr>
                           <a:rPr lang="en-US" altLang="zh-TW" b="0" i="1" smtClean="0">
-                            <a:latin typeface="Cambria Math"/>
+                            <a:latin typeface="Cambria Math" panose="02040503050406030204" pitchFamily="18" charset="0"/>
                           </a:rPr>
                         </m:ctrlPr>
                       </m:dPr>
@@ -7606,7 +7623,7 @@
                           <m:sSubPr>
                             <m:ctrlPr>
                               <a:rPr lang="en-US" altLang="zh-TW" b="0" i="1" smtClean="0">
-                                <a:latin typeface="Cambria Math"/>
+                                <a:latin typeface="Cambria Math" panose="02040503050406030204" pitchFamily="18" charset="0"/>
                               </a:rPr>
                             </m:ctrlPr>
                           </m:sSubPr>
@@ -7645,7 +7662,7 @@
                       <m:sSubPr>
                         <m:ctrlPr>
                           <a:rPr lang="en-US" altLang="zh-TW" b="0" i="1" smtClean="0">
-                            <a:latin typeface="Cambria Math"/>
+                            <a:latin typeface="Cambria Math" panose="02040503050406030204" pitchFamily="18" charset="0"/>
                           </a:rPr>
                         </m:ctrlPr>
                       </m:sSubPr>
@@ -7670,7 +7687,7 @@
                       <m:dPr>
                         <m:ctrlPr>
                           <a:rPr lang="en-US" altLang="zh-TW" b="0" i="1" smtClean="0">
-                            <a:latin typeface="Cambria Math"/>
+                            <a:latin typeface="Cambria Math" panose="02040503050406030204" pitchFamily="18" charset="0"/>
                           </a:rPr>
                         </m:ctrlPr>
                       </m:dPr>
@@ -7699,7 +7716,7 @@
                       <m:sSubPr>
                         <m:ctrlPr>
                           <a:rPr lang="en-US" altLang="zh-TW" b="0" i="1" smtClean="0">
-                            <a:latin typeface="Cambria Math"/>
+                            <a:latin typeface="Cambria Math" panose="02040503050406030204" pitchFamily="18" charset="0"/>
                           </a:rPr>
                         </m:ctrlPr>
                       </m:sSubPr>
@@ -7724,7 +7741,7 @@
                       <m:dPr>
                         <m:ctrlPr>
                           <a:rPr lang="en-US" altLang="zh-TW" b="0" i="1" smtClean="0">
-                            <a:latin typeface="Cambria Math"/>
+                            <a:latin typeface="Cambria Math" panose="02040503050406030204" pitchFamily="18" charset="0"/>
                           </a:rPr>
                         </m:ctrlPr>
                       </m:dPr>
@@ -7753,7 +7770,7 @@
                       <m:sSubPr>
                         <m:ctrlPr>
                           <a:rPr lang="en-US" altLang="zh-TW" i="1">
-                            <a:latin typeface="Cambria Math"/>
+                            <a:latin typeface="Cambria Math" panose="02040503050406030204" pitchFamily="18" charset="0"/>
                           </a:rPr>
                         </m:ctrlPr>
                       </m:sSubPr>
@@ -7778,7 +7795,7 @@
                       <m:dPr>
                         <m:ctrlPr>
                           <a:rPr lang="en-US" altLang="zh-TW" i="1">
-                            <a:latin typeface="Cambria Math"/>
+                            <a:latin typeface="Cambria Math" panose="02040503050406030204" pitchFamily="18" charset="0"/>
                           </a:rPr>
                         </m:ctrlPr>
                       </m:dPr>
@@ -7795,7 +7812,7 @@
                           <m:sSubPr>
                             <m:ctrlPr>
                               <a:rPr lang="en-US" altLang="zh-TW" i="1">
-                                <a:latin typeface="Cambria Math"/>
+                                <a:latin typeface="Cambria Math" panose="02040503050406030204" pitchFamily="18" charset="0"/>
                               </a:rPr>
                             </m:ctrlPr>
                           </m:sSubPr>
@@ -7896,7 +7913,7 @@
                       <m:sSubPr>
                         <m:ctrlPr>
                           <a:rPr lang="en-US" altLang="zh-TW" b="0" i="1" dirty="0" smtClean="0">
-                            <a:latin typeface="Cambria Math"/>
+                            <a:latin typeface="Cambria Math" panose="02040503050406030204" pitchFamily="18" charset="0"/>
                           </a:rPr>
                         </m:ctrlPr>
                       </m:sSubPr>
@@ -7929,7 +7946,7 @@
                       <m:sSubPr>
                         <m:ctrlPr>
                           <a:rPr lang="en-US" altLang="zh-TW" b="0" i="1" smtClean="0">
-                            <a:latin typeface="Cambria Math"/>
+                            <a:latin typeface="Cambria Math" panose="02040503050406030204" pitchFamily="18" charset="0"/>
                           </a:rPr>
                         </m:ctrlPr>
                       </m:sSubPr>
@@ -7960,7 +7977,7 @@
                       <m:sSubPr>
                         <m:ctrlPr>
                           <a:rPr lang="en-US" altLang="zh-TW" b="0" i="1" smtClean="0">
-                            <a:latin typeface="Cambria Math"/>
+                            <a:latin typeface="Cambria Math" panose="02040503050406030204" pitchFamily="18" charset="0"/>
                           </a:rPr>
                         </m:ctrlPr>
                       </m:sSubPr>
@@ -8009,7 +8026,7 @@
                       <m:sSubPr>
                         <m:ctrlPr>
                           <a:rPr lang="en-US" altLang="zh-TW" b="0" i="1" smtClean="0">
-                            <a:latin typeface="Cambria Math"/>
+                            <a:latin typeface="Cambria Math" panose="02040503050406030204" pitchFamily="18" charset="0"/>
                           </a:rPr>
                         </m:ctrlPr>
                       </m:sSubPr>
@@ -8196,8 +8213,8 @@
           </a:p>
         </p:txBody>
       </p:sp>
-      <mc:AlternateContent xmlns:mc="http://schemas.openxmlformats.org/markup-compatibility/2006">
-        <mc:Choice xmlns:a14="http://schemas.microsoft.com/office/drawing/2010/main" Requires="a14">
+      <mc:AlternateContent xmlns:mc="http://schemas.openxmlformats.org/markup-compatibility/2006" xmlns:a14="http://schemas.microsoft.com/office/drawing/2010/main">
+        <mc:Choice Requires="a14">
           <p:sp>
             <p:nvSpPr>
               <p:cNvPr id="3" name="內容版面配置區 2"/>
@@ -8243,7 +8260,7 @@
                                   <a:lumMod val="65000"/>
                                 </a:schemeClr>
                               </a:solidFill>
-                              <a:latin typeface="Cambria Math"/>
+                              <a:latin typeface="Cambria Math" panose="02040503050406030204" pitchFamily="18" charset="0"/>
                             </a:rPr>
                           </m:ctrlPr>
                         </m:dPr>
@@ -8270,7 +8287,7 @@
                                       <a:lumMod val="65000"/>
                                     </a:schemeClr>
                                   </a:solidFill>
-                                  <a:latin typeface="Cambria Math"/>
+                                  <a:latin typeface="Cambria Math" panose="02040503050406030204" pitchFamily="18" charset="0"/>
                                 </a:rPr>
                               </m:ctrlPr>
                             </m:sSubPr>
@@ -8324,7 +8341,7 @@
                         <m:sSubPr>
                           <m:ctrlPr>
                             <a:rPr lang="en-US" altLang="zh-TW" i="1">
-                              <a:latin typeface="Cambria Math"/>
+                              <a:latin typeface="Cambria Math" panose="02040503050406030204" pitchFamily="18" charset="0"/>
                             </a:rPr>
                           </m:ctrlPr>
                         </m:sSubPr>
@@ -8349,7 +8366,7 @@
                         <m:dPr>
                           <m:ctrlPr>
                             <a:rPr lang="en-US" altLang="zh-TW" i="1">
-                              <a:latin typeface="Cambria Math"/>
+                              <a:latin typeface="Cambria Math" panose="02040503050406030204" pitchFamily="18" charset="0"/>
                             </a:rPr>
                           </m:ctrlPr>
                         </m:dPr>
@@ -8393,7 +8410,7 @@
                                   <a:lumMod val="65000"/>
                                 </a:schemeClr>
                               </a:solidFill>
-                              <a:latin typeface="Cambria Math"/>
+                              <a:latin typeface="Cambria Math" panose="02040503050406030204" pitchFamily="18" charset="0"/>
                             </a:rPr>
                           </m:ctrlPr>
                         </m:sSubPr>
@@ -8433,7 +8450,7 @@
                                   <a:lumMod val="65000"/>
                                 </a:schemeClr>
                               </a:solidFill>
-                              <a:latin typeface="Cambria Math"/>
+                              <a:latin typeface="Cambria Math" panose="02040503050406030204" pitchFamily="18" charset="0"/>
                             </a:rPr>
                           </m:ctrlPr>
                         </m:dPr>
@@ -8482,7 +8499,7 @@
                                   <a:lumMod val="65000"/>
                                 </a:schemeClr>
                               </a:solidFill>
-                              <a:latin typeface="Cambria Math"/>
+                              <a:latin typeface="Cambria Math" panose="02040503050406030204" pitchFamily="18" charset="0"/>
                             </a:rPr>
                           </m:ctrlPr>
                         </m:sSubPr>
@@ -8522,7 +8539,7 @@
                                   <a:lumMod val="65000"/>
                                 </a:schemeClr>
                               </a:solidFill>
-                              <a:latin typeface="Cambria Math"/>
+                              <a:latin typeface="Cambria Math" panose="02040503050406030204" pitchFamily="18" charset="0"/>
                             </a:rPr>
                           </m:ctrlPr>
                         </m:dPr>
@@ -8549,7 +8566,7 @@
                                       <a:lumMod val="65000"/>
                                     </a:schemeClr>
                                   </a:solidFill>
-                                  <a:latin typeface="Cambria Math"/>
+                                  <a:latin typeface="Cambria Math" panose="02040503050406030204" pitchFamily="18" charset="0"/>
                                 </a:rPr>
                               </m:ctrlPr>
                             </m:sSubPr>
@@ -8600,15 +8617,7 @@
                 </a:pPr>
                 <a:r>
                   <a:rPr lang="en-US" altLang="zh-TW" dirty="0" smtClean="0"/>
-                  <a:t>Activation from </a:t>
-                </a:r>
-                <a:r>
-                  <a:rPr lang="en-US" altLang="zh-TW" dirty="0" smtClean="0"/>
-                  <a:t>context-independent source</a:t>
-                </a:r>
-                <a:r>
-                  <a:rPr lang="en-US" altLang="zh-TW" dirty="0" smtClean="0"/>
-                  <a:t>.</a:t>
+                  <a:t>Activation from context-independent source.</a:t>
                 </a:r>
               </a:p>
               <a:p>
@@ -8625,7 +8634,7 @@
             </p:txBody>
           </p:sp>
         </mc:Choice>
-        <mc:Fallback>
+        <mc:Fallback xmlns="">
           <p:sp>
             <p:nvSpPr>
               <p:cNvPr id="3" name="內容版面配置區 2"/>
@@ -8790,7 +8799,7 @@
                                   <a:lumMod val="65000"/>
                                 </a:schemeClr>
                               </a:solidFill>
-                              <a:latin typeface="Cambria Math"/>
+                              <a:latin typeface="Cambria Math" panose="02040503050406030204" pitchFamily="18" charset="0"/>
                             </a:rPr>
                           </m:ctrlPr>
                         </m:dPr>
@@ -8817,7 +8826,7 @@
                                       <a:lumMod val="65000"/>
                                     </a:schemeClr>
                                   </a:solidFill>
-                                  <a:latin typeface="Cambria Math"/>
+                                  <a:latin typeface="Cambria Math" panose="02040503050406030204" pitchFamily="18" charset="0"/>
                                 </a:rPr>
                               </m:ctrlPr>
                             </m:sSubPr>
@@ -8881,7 +8890,7 @@
                                   <a:lumMod val="65000"/>
                                 </a:schemeClr>
                               </a:solidFill>
-                              <a:latin typeface="Cambria Math"/>
+                              <a:latin typeface="Cambria Math" panose="02040503050406030204" pitchFamily="18" charset="0"/>
                             </a:rPr>
                           </m:ctrlPr>
                         </m:sSubPr>
@@ -8921,7 +8930,7 @@
                                   <a:lumMod val="65000"/>
                                 </a:schemeClr>
                               </a:solidFill>
-                              <a:latin typeface="Cambria Math"/>
+                              <a:latin typeface="Cambria Math" panose="02040503050406030204" pitchFamily="18" charset="0"/>
                             </a:rPr>
                           </m:ctrlPr>
                         </m:dPr>
@@ -8966,7 +8975,7 @@
                               <a:solidFill>
                                 <a:schemeClr val="tx1"/>
                               </a:solidFill>
-                              <a:latin typeface="Cambria Math"/>
+                              <a:latin typeface="Cambria Math" panose="02040503050406030204" pitchFamily="18" charset="0"/>
                             </a:rPr>
                           </m:ctrlPr>
                         </m:sSubPr>
@@ -9000,7 +9009,7 @@
                               <a:solidFill>
                                 <a:schemeClr val="tx1"/>
                               </a:solidFill>
-                              <a:latin typeface="Cambria Math"/>
+                              <a:latin typeface="Cambria Math" panose="02040503050406030204" pitchFamily="18" charset="0"/>
                             </a:rPr>
                           </m:ctrlPr>
                         </m:dPr>
@@ -9047,7 +9056,7 @@
                                   <a:lumMod val="65000"/>
                                 </a:schemeClr>
                               </a:solidFill>
-                              <a:latin typeface="Cambria Math"/>
+                              <a:latin typeface="Cambria Math" panose="02040503050406030204" pitchFamily="18" charset="0"/>
                             </a:rPr>
                           </m:ctrlPr>
                         </m:sSubPr>
@@ -9087,7 +9096,7 @@
                                   <a:lumMod val="65000"/>
                                 </a:schemeClr>
                               </a:solidFill>
-                              <a:latin typeface="Cambria Math"/>
+                              <a:latin typeface="Cambria Math" panose="02040503050406030204" pitchFamily="18" charset="0"/>
                             </a:rPr>
                           </m:ctrlPr>
                         </m:dPr>
@@ -9114,7 +9123,7 @@
                                       <a:lumMod val="65000"/>
                                     </a:schemeClr>
                                   </a:solidFill>
-                                  <a:latin typeface="Cambria Math"/>
+                                  <a:latin typeface="Cambria Math" panose="02040503050406030204" pitchFamily="18" charset="0"/>
                                 </a:rPr>
                               </m:ctrlPr>
                             </m:sSubPr>
@@ -9371,7 +9380,7 @@
                                   <a:lumMod val="65000"/>
                                 </a:schemeClr>
                               </a:solidFill>
-                              <a:latin typeface="Cambria Math"/>
+                              <a:latin typeface="Cambria Math" panose="02040503050406030204" pitchFamily="18" charset="0"/>
                             </a:rPr>
                           </m:ctrlPr>
                         </m:dPr>
@@ -9398,7 +9407,7 @@
                                       <a:lumMod val="65000"/>
                                     </a:schemeClr>
                                   </a:solidFill>
-                                  <a:latin typeface="Cambria Math"/>
+                                  <a:latin typeface="Cambria Math" panose="02040503050406030204" pitchFamily="18" charset="0"/>
                                 </a:rPr>
                               </m:ctrlPr>
                             </m:sSubPr>
@@ -9462,7 +9471,7 @@
                                   <a:lumMod val="65000"/>
                                 </a:schemeClr>
                               </a:solidFill>
-                              <a:latin typeface="Cambria Math"/>
+                              <a:latin typeface="Cambria Math" panose="02040503050406030204" pitchFamily="18" charset="0"/>
                             </a:rPr>
                           </m:ctrlPr>
                         </m:sSubPr>
@@ -9502,7 +9511,7 @@
                                   <a:lumMod val="65000"/>
                                 </a:schemeClr>
                               </a:solidFill>
-                              <a:latin typeface="Cambria Math"/>
+                              <a:latin typeface="Cambria Math" panose="02040503050406030204" pitchFamily="18" charset="0"/>
                             </a:rPr>
                           </m:ctrlPr>
                         </m:dPr>
@@ -9551,7 +9560,7 @@
                                   <a:lumMod val="65000"/>
                                 </a:schemeClr>
                               </a:solidFill>
-                              <a:latin typeface="Cambria Math"/>
+                              <a:latin typeface="Cambria Math" panose="02040503050406030204" pitchFamily="18" charset="0"/>
                             </a:rPr>
                           </m:ctrlPr>
                         </m:sSubPr>
@@ -9591,7 +9600,7 @@
                                   <a:lumMod val="65000"/>
                                 </a:schemeClr>
                               </a:solidFill>
-                              <a:latin typeface="Cambria Math"/>
+                              <a:latin typeface="Cambria Math" panose="02040503050406030204" pitchFamily="18" charset="0"/>
                             </a:rPr>
                           </m:ctrlPr>
                         </m:dPr>
@@ -9636,7 +9645,7 @@
                               <a:solidFill>
                                 <a:schemeClr val="tx1"/>
                               </a:solidFill>
-                              <a:latin typeface="Cambria Math"/>
+                              <a:latin typeface="Cambria Math" panose="02040503050406030204" pitchFamily="18" charset="0"/>
                             </a:rPr>
                           </m:ctrlPr>
                         </m:sSubPr>
@@ -9670,7 +9679,7 @@
                               <a:solidFill>
                                 <a:schemeClr val="tx1"/>
                               </a:solidFill>
-                              <a:latin typeface="Cambria Math"/>
+                              <a:latin typeface="Cambria Math" panose="02040503050406030204" pitchFamily="18" charset="0"/>
                             </a:rPr>
                           </m:ctrlPr>
                         </m:dPr>
@@ -9693,7 +9702,7 @@
                                   <a:solidFill>
                                     <a:schemeClr val="tx1"/>
                                   </a:solidFill>
-                                  <a:latin typeface="Cambria Math"/>
+                                  <a:latin typeface="Cambria Math" panose="02040503050406030204" pitchFamily="18" charset="0"/>
                                 </a:rPr>
                               </m:ctrlPr>
                             </m:sSubPr>
@@ -9922,7 +9931,7 @@
                                   <a:lumMod val="65000"/>
                                 </a:schemeClr>
                               </a:solidFill>
-                              <a:latin typeface="Cambria Math"/>
+                              <a:latin typeface="Cambria Math" panose="02040503050406030204" pitchFamily="18" charset="0"/>
                             </a:rPr>
                           </m:ctrlPr>
                         </m:dPr>
@@ -9949,7 +9958,7 @@
                                       <a:lumMod val="65000"/>
                                     </a:schemeClr>
                                   </a:solidFill>
-                                  <a:latin typeface="Cambria Math"/>
+                                  <a:latin typeface="Cambria Math" panose="02040503050406030204" pitchFamily="18" charset="0"/>
                                 </a:rPr>
                               </m:ctrlPr>
                             </m:sSubPr>
@@ -10013,7 +10022,7 @@
                                   <a:lumMod val="65000"/>
                                 </a:schemeClr>
                               </a:solidFill>
-                              <a:latin typeface="Cambria Math"/>
+                              <a:latin typeface="Cambria Math" panose="02040503050406030204" pitchFamily="18" charset="0"/>
                             </a:rPr>
                           </m:ctrlPr>
                         </m:sSubPr>
@@ -10053,7 +10062,7 @@
                                   <a:lumMod val="65000"/>
                                 </a:schemeClr>
                               </a:solidFill>
-                              <a:latin typeface="Cambria Math"/>
+                              <a:latin typeface="Cambria Math" panose="02040503050406030204" pitchFamily="18" charset="0"/>
                             </a:rPr>
                           </m:ctrlPr>
                         </m:dPr>
@@ -10102,7 +10111,7 @@
                                   <a:lumMod val="65000"/>
                                 </a:schemeClr>
                               </a:solidFill>
-                              <a:latin typeface="Cambria Math"/>
+                              <a:latin typeface="Cambria Math" panose="02040503050406030204" pitchFamily="18" charset="0"/>
                             </a:rPr>
                           </m:ctrlPr>
                         </m:sSubPr>
@@ -10142,7 +10151,7 @@
                                   <a:lumMod val="65000"/>
                                 </a:schemeClr>
                               </a:solidFill>
-                              <a:latin typeface="Cambria Math"/>
+                              <a:latin typeface="Cambria Math" panose="02040503050406030204" pitchFamily="18" charset="0"/>
                             </a:rPr>
                           </m:ctrlPr>
                         </m:dPr>
@@ -10187,7 +10196,7 @@
                               <a:solidFill>
                                 <a:schemeClr val="tx1"/>
                               </a:solidFill>
-                              <a:latin typeface="Cambria Math"/>
+                              <a:latin typeface="Cambria Math" panose="02040503050406030204" pitchFamily="18" charset="0"/>
                             </a:rPr>
                           </m:ctrlPr>
                         </m:sSubPr>
@@ -10221,7 +10230,7 @@
                               <a:solidFill>
                                 <a:schemeClr val="tx1"/>
                               </a:solidFill>
-                              <a:latin typeface="Cambria Math"/>
+                              <a:latin typeface="Cambria Math" panose="02040503050406030204" pitchFamily="18" charset="0"/>
                             </a:rPr>
                           </m:ctrlPr>
                         </m:dPr>
@@ -10244,7 +10253,7 @@
                                   <a:solidFill>
                                     <a:schemeClr val="tx1"/>
                                   </a:solidFill>
-                                  <a:latin typeface="Cambria Math"/>
+                                  <a:latin typeface="Cambria Math" panose="02040503050406030204" pitchFamily="18" charset="0"/>
                                 </a:rPr>
                               </m:ctrlPr>
                             </m:sSubPr>
@@ -10475,11 +10484,7 @@
             </a:pPr>
             <a:r>
               <a:rPr lang="en-US" altLang="zh-TW" dirty="0" smtClean="0"/>
-              <a:t>Competition between response candidates</a:t>
-            </a:r>
-            <a:r>
-              <a:rPr lang="en-US" altLang="zh-TW" dirty="0" smtClean="0"/>
-              <a:t>.</a:t>
+              <a:t>Competition between response candidates.</a:t>
             </a:r>
           </a:p>
           <a:p>
